--- a/초기 계획/game design.pptx
+++ b/초기 계획/game design.pptx
@@ -123,9 +123,47 @@
 <file path=ppt/revisionInfo.xml><?xml version="1.0" encoding="utf-8"?>
 <p1510:revInfo xmlns:a="http://schemas.openxmlformats.org/drawingml/2006/main" xmlns:r="http://schemas.openxmlformats.org/officeDocument/2006/relationships" xmlns:p1510="http://schemas.microsoft.com/office/powerpoint/2015/10/main">
   <p1510:revLst>
+    <p1510:client id="{5152A7A9-6EE1-4983-8618-EB807E110325}" v="1" dt="2023-03-01T06:35:34.172"/>
     <p1510:client id="{6C44E7B9-F613-4CE5-A43E-22544DD0D846}" v="203" dt="2023-03-01T06:10:03.397"/>
   </p1510:revLst>
 </p1510:revInfo>
+</file>
+
+<file path=ppt/changesInfos/changesInfo1.xml><?xml version="1.0" encoding="utf-8"?>
+<pc:chgInfo xmlns:a="http://schemas.openxmlformats.org/drawingml/2006/main" xmlns:r="http://schemas.openxmlformats.org/officeDocument/2006/relationships" xmlns:ac="http://schemas.microsoft.com/office/drawing/2013/main/command" xmlns:pc="http://schemas.microsoft.com/office/powerpoint/2013/main/command">
+  <pc:docChgLst>
+    <pc:chgData name="김 준이" userId="98e3a0a8376a7895" providerId="LiveId" clId="{5152A7A9-6EE1-4983-8618-EB807E110325}"/>
+    <pc:docChg chg="modSld">
+      <pc:chgData name="김 준이" userId="98e3a0a8376a7895" providerId="LiveId" clId="{5152A7A9-6EE1-4983-8618-EB807E110325}" dt="2023-03-01T06:36:19.345" v="15" actId="207"/>
+      <pc:docMkLst>
+        <pc:docMk/>
+      </pc:docMkLst>
+      <pc:sldChg chg="addSp modSp mod">
+        <pc:chgData name="김 준이" userId="98e3a0a8376a7895" providerId="LiveId" clId="{5152A7A9-6EE1-4983-8618-EB807E110325}" dt="2023-03-01T06:36:19.345" v="15" actId="207"/>
+        <pc:sldMkLst>
+          <pc:docMk/>
+          <pc:sldMk cId="2554257912" sldId="259"/>
+        </pc:sldMkLst>
+        <pc:spChg chg="add mod">
+          <ac:chgData name="김 준이" userId="98e3a0a8376a7895" providerId="LiveId" clId="{5152A7A9-6EE1-4983-8618-EB807E110325}" dt="2023-03-01T06:36:16.491" v="14" actId="207"/>
+          <ac:spMkLst>
+            <pc:docMk/>
+            <pc:sldMk cId="2554257912" sldId="259"/>
+            <ac:spMk id="10" creationId="{6AFE3FFD-0F77-09A8-F760-CA00419F8040}"/>
+          </ac:spMkLst>
+        </pc:spChg>
+        <pc:spChg chg="add mod">
+          <ac:chgData name="김 준이" userId="98e3a0a8376a7895" providerId="LiveId" clId="{5152A7A9-6EE1-4983-8618-EB807E110325}" dt="2023-03-01T06:36:19.345" v="15" actId="207"/>
+          <ac:spMkLst>
+            <pc:docMk/>
+            <pc:sldMk cId="2554257912" sldId="259"/>
+            <ac:spMk id="11" creationId="{377F77D2-338B-FFE5-6E9C-6CF0CD1ED9AC}"/>
+          </ac:spMkLst>
+        </pc:spChg>
+      </pc:sldChg>
+    </pc:docChg>
+  </pc:docChgLst>
+</pc:chgInfo>
 </file>
 
 <file path=ppt/notesMasters/notesMaster1.xml><?xml version="1.0" encoding="utf-8"?>
@@ -6547,6 +6585,118 @@
                 <a:srgbClr val="84BEE5"/>
               </a:solidFill>
             </a:endParaRPr>
+          </a:p>
+        </p:txBody>
+      </p:sp>
+      <p:sp>
+        <p:nvSpPr>
+          <p:cNvPr id="10" name="TextBox 9">
+            <a:extLst>
+              <a:ext uri="{FF2B5EF4-FFF2-40B4-BE49-F238E27FC236}">
+                <a16:creationId xmlns:a16="http://schemas.microsoft.com/office/drawing/2014/main" id="{6AFE3FFD-0F77-09A8-F760-CA00419F8040}"/>
+              </a:ext>
+            </a:extLst>
+          </p:cNvPr>
+          <p:cNvSpPr txBox="1"/>
+          <p:nvPr/>
+        </p:nvSpPr>
+        <p:spPr>
+          <a:xfrm rot="16200000">
+            <a:off x="-8183783" y="17215039"/>
+            <a:ext cx="18445226" cy="1569660"/>
+          </a:xfrm>
+          <a:prstGeom prst="rect">
+            <a:avLst/>
+          </a:prstGeom>
+          <a:noFill/>
+        </p:spPr>
+        <p:txBody>
+          <a:bodyPr wrap="square">
+            <a:spAutoFit/>
+          </a:bodyPr>
+          <a:lstStyle/>
+          <a:p>
+            <a:pPr algn="ctr"/>
+            <a:r>
+              <a:rPr lang="en-US" altLang="ko-KR" sz="9600" b="1" dirty="0" err="1">
+                <a:solidFill>
+                  <a:schemeClr val="bg1"/>
+                </a:solidFill>
+              </a:rPr>
+              <a:t>Sekai</a:t>
+            </a:r>
+            <a:r>
+              <a:rPr lang="ko-KR" altLang="en-US" sz="9600" b="1" dirty="0">
+                <a:solidFill>
+                  <a:schemeClr val="bg1"/>
+                </a:solidFill>
+              </a:rPr>
+              <a:t> </a:t>
+            </a:r>
+            <a:r>
+              <a:rPr lang="en-US" altLang="ko-KR" sz="9600" b="1" dirty="0">
+                <a:solidFill>
+                  <a:schemeClr val="bg1"/>
+                </a:solidFill>
+              </a:rPr>
+              <a:t>– Don’t Fight The Music</a:t>
+            </a:r>
+          </a:p>
+        </p:txBody>
+      </p:sp>
+      <p:sp>
+        <p:nvSpPr>
+          <p:cNvPr id="11" name="TextBox 10">
+            <a:extLst>
+              <a:ext uri="{FF2B5EF4-FFF2-40B4-BE49-F238E27FC236}">
+                <a16:creationId xmlns:a16="http://schemas.microsoft.com/office/drawing/2014/main" id="{377F77D2-338B-FFE5-6E9C-6CF0CD1ED9AC}"/>
+              </a:ext>
+            </a:extLst>
+          </p:cNvPr>
+          <p:cNvSpPr txBox="1"/>
+          <p:nvPr/>
+        </p:nvSpPr>
+        <p:spPr>
+          <a:xfrm rot="5400000">
+            <a:off x="25691086" y="17215039"/>
+            <a:ext cx="18445226" cy="1569660"/>
+          </a:xfrm>
+          <a:prstGeom prst="rect">
+            <a:avLst/>
+          </a:prstGeom>
+          <a:noFill/>
+        </p:spPr>
+        <p:txBody>
+          <a:bodyPr wrap="square">
+            <a:spAutoFit/>
+          </a:bodyPr>
+          <a:lstStyle/>
+          <a:p>
+            <a:pPr algn="ctr"/>
+            <a:r>
+              <a:rPr lang="en-US" altLang="ko-KR" sz="9600" b="1" dirty="0" err="1">
+                <a:solidFill>
+                  <a:schemeClr val="bg1"/>
+                </a:solidFill>
+              </a:rPr>
+              <a:t>Sekai</a:t>
+            </a:r>
+            <a:r>
+              <a:rPr lang="ko-KR" altLang="en-US" sz="9600" b="1" dirty="0">
+                <a:solidFill>
+                  <a:schemeClr val="bg1"/>
+                </a:solidFill>
+              </a:rPr>
+              <a:t> </a:t>
+            </a:r>
+            <a:r>
+              <a:rPr lang="en-US" altLang="ko-KR" sz="9600" b="1" dirty="0">
+                <a:solidFill>
+                  <a:schemeClr val="bg1"/>
+                </a:solidFill>
+              </a:rPr>
+              <a:t>– Don’t Fight The Music</a:t>
+            </a:r>
           </a:p>
         </p:txBody>
       </p:sp>

--- a/초기 계획/game design.pptx
+++ b/초기 계획/game design.pptx
@@ -5,7 +5,7 @@
     <p:sldMasterId id="2147483660" r:id="rId1"/>
   </p:sldMasterIdLst>
   <p:notesMasterIdLst>
-    <p:notesMasterId r:id="rId8"/>
+    <p:notesMasterId r:id="rId9"/>
   </p:notesMasterIdLst>
   <p:sldIdLst>
     <p:sldId id="257" r:id="rId2"/>
@@ -14,6 +14,7 @@
     <p:sldId id="262" r:id="rId5"/>
     <p:sldId id="263" r:id="rId6"/>
     <p:sldId id="259" r:id="rId7"/>
+    <p:sldId id="264" r:id="rId8"/>
   </p:sldIdLst>
   <p:sldSz cx="35999738" cy="35999738"/>
   <p:notesSz cx="6858000" cy="9144000"/>
@@ -123,7 +124,7 @@
 <file path=ppt/revisionInfo.xml><?xml version="1.0" encoding="utf-8"?>
 <p1510:revInfo xmlns:a="http://schemas.openxmlformats.org/drawingml/2006/main" xmlns:r="http://schemas.openxmlformats.org/officeDocument/2006/relationships" xmlns:p1510="http://schemas.microsoft.com/office/powerpoint/2015/10/main">
   <p1510:revLst>
-    <p1510:client id="{5152A7A9-6EE1-4983-8618-EB807E110325}" v="1" dt="2023-03-01T06:35:34.172"/>
+    <p1510:client id="{5152A7A9-6EE1-4983-8618-EB807E110325}" v="35" dt="2023-03-01T07:08:40.787"/>
     <p1510:client id="{6C44E7B9-F613-4CE5-A43E-22544DD0D846}" v="203" dt="2023-03-01T06:10:03.397"/>
   </p1510:revLst>
 </p1510:revInfo>
@@ -133,17 +134,25 @@
 <pc:chgInfo xmlns:a="http://schemas.openxmlformats.org/drawingml/2006/main" xmlns:r="http://schemas.openxmlformats.org/officeDocument/2006/relationships" xmlns:ac="http://schemas.microsoft.com/office/drawing/2013/main/command" xmlns:pc="http://schemas.microsoft.com/office/powerpoint/2013/main/command">
   <pc:docChgLst>
     <pc:chgData name="김 준이" userId="98e3a0a8376a7895" providerId="LiveId" clId="{5152A7A9-6EE1-4983-8618-EB807E110325}"/>
-    <pc:docChg chg="modSld">
-      <pc:chgData name="김 준이" userId="98e3a0a8376a7895" providerId="LiveId" clId="{5152A7A9-6EE1-4983-8618-EB807E110325}" dt="2023-03-01T06:36:19.345" v="15" actId="207"/>
+    <pc:docChg chg="undo custSel addSld modSld">
+      <pc:chgData name="김 준이" userId="98e3a0a8376a7895" providerId="LiveId" clId="{5152A7A9-6EE1-4983-8618-EB807E110325}" dt="2023-03-01T07:08:40.787" v="86"/>
       <pc:docMkLst>
         <pc:docMk/>
       </pc:docMkLst>
-      <pc:sldChg chg="addSp modSp mod">
-        <pc:chgData name="김 준이" userId="98e3a0a8376a7895" providerId="LiveId" clId="{5152A7A9-6EE1-4983-8618-EB807E110325}" dt="2023-03-01T06:36:19.345" v="15" actId="207"/>
+      <pc:sldChg chg="addSp delSp modSp mod">
+        <pc:chgData name="김 준이" userId="98e3a0a8376a7895" providerId="LiveId" clId="{5152A7A9-6EE1-4983-8618-EB807E110325}" dt="2023-03-01T07:01:30.006" v="45" actId="478"/>
         <pc:sldMkLst>
           <pc:docMk/>
           <pc:sldMk cId="2554257912" sldId="259"/>
         </pc:sldMkLst>
+        <pc:spChg chg="add del mod">
+          <ac:chgData name="김 준이" userId="98e3a0a8376a7895" providerId="LiveId" clId="{5152A7A9-6EE1-4983-8618-EB807E110325}" dt="2023-03-01T07:01:30.006" v="45" actId="478"/>
+          <ac:spMkLst>
+            <pc:docMk/>
+            <pc:sldMk cId="2554257912" sldId="259"/>
+            <ac:spMk id="4" creationId="{C99CA8BA-BB05-C722-3D97-4F5478A7B8F7}"/>
+          </ac:spMkLst>
+        </pc:spChg>
         <pc:spChg chg="add mod">
           <ac:chgData name="김 준이" userId="98e3a0a8376a7895" providerId="LiveId" clId="{5152A7A9-6EE1-4983-8618-EB807E110325}" dt="2023-03-01T06:36:16.491" v="14" actId="207"/>
           <ac:spMkLst>
@@ -160,6 +169,69 @@
             <ac:spMk id="11" creationId="{377F77D2-338B-FFE5-6E9C-6CF0CD1ED9AC}"/>
           </ac:spMkLst>
         </pc:spChg>
+        <pc:spChg chg="add del mod">
+          <ac:chgData name="김 준이" userId="98e3a0a8376a7895" providerId="LiveId" clId="{5152A7A9-6EE1-4983-8618-EB807E110325}" dt="2023-03-01T07:01:29.154" v="44" actId="478"/>
+          <ac:spMkLst>
+            <pc:docMk/>
+            <pc:sldMk cId="2554257912" sldId="259"/>
+            <ac:spMk id="13" creationId="{94EF2F0D-4C21-ECD1-47A3-2EFBFBD5FCC2}"/>
+          </ac:spMkLst>
+        </pc:spChg>
+        <pc:spChg chg="add del mod">
+          <ac:chgData name="김 준이" userId="98e3a0a8376a7895" providerId="LiveId" clId="{5152A7A9-6EE1-4983-8618-EB807E110325}" dt="2023-03-01T07:01:28.313" v="43" actId="478"/>
+          <ac:spMkLst>
+            <pc:docMk/>
+            <pc:sldMk cId="2554257912" sldId="259"/>
+            <ac:spMk id="14" creationId="{982DCC28-52CF-589C-ADD1-20D05AC86504}"/>
+          </ac:spMkLst>
+        </pc:spChg>
+      </pc:sldChg>
+      <pc:sldChg chg="delSp modSp add mod delAnim modAnim">
+        <pc:chgData name="김 준이" userId="98e3a0a8376a7895" providerId="LiveId" clId="{5152A7A9-6EE1-4983-8618-EB807E110325}" dt="2023-03-01T07:08:40.787" v="86"/>
+        <pc:sldMkLst>
+          <pc:docMk/>
+          <pc:sldMk cId="2773757964" sldId="264"/>
+        </pc:sldMkLst>
+        <pc:spChg chg="ord">
+          <ac:chgData name="김 준이" userId="98e3a0a8376a7895" providerId="LiveId" clId="{5152A7A9-6EE1-4983-8618-EB807E110325}" dt="2023-03-01T07:03:53.104" v="56" actId="167"/>
+          <ac:spMkLst>
+            <pc:docMk/>
+            <pc:sldMk cId="2773757964" sldId="264"/>
+            <ac:spMk id="4" creationId="{C99CA8BA-BB05-C722-3D97-4F5478A7B8F7}"/>
+          </ac:spMkLst>
+        </pc:spChg>
+        <pc:spChg chg="ord">
+          <ac:chgData name="김 준이" userId="98e3a0a8376a7895" providerId="LiveId" clId="{5152A7A9-6EE1-4983-8618-EB807E110325}" dt="2023-03-01T07:03:53.104" v="56" actId="167"/>
+          <ac:spMkLst>
+            <pc:docMk/>
+            <pc:sldMk cId="2773757964" sldId="264"/>
+            <ac:spMk id="13" creationId="{94EF2F0D-4C21-ECD1-47A3-2EFBFBD5FCC2}"/>
+          </ac:spMkLst>
+        </pc:spChg>
+        <pc:spChg chg="mod ord">
+          <ac:chgData name="김 준이" userId="98e3a0a8376a7895" providerId="LiveId" clId="{5152A7A9-6EE1-4983-8618-EB807E110325}" dt="2023-03-01T07:07:10.634" v="75" actId="1076"/>
+          <ac:spMkLst>
+            <pc:docMk/>
+            <pc:sldMk cId="2773757964" sldId="264"/>
+            <ac:spMk id="14" creationId="{982DCC28-52CF-589C-ADD1-20D05AC86504}"/>
+          </ac:spMkLst>
+        </pc:spChg>
+        <pc:spChg chg="del">
+          <ac:chgData name="김 준이" userId="98e3a0a8376a7895" providerId="LiveId" clId="{5152A7A9-6EE1-4983-8618-EB807E110325}" dt="2023-03-01T07:01:58.059" v="46" actId="478"/>
+          <ac:spMkLst>
+            <pc:docMk/>
+            <pc:sldMk cId="2773757964" sldId="264"/>
+            <ac:spMk id="35" creationId="{3F1B70FD-472D-5426-0D17-D45AA12164A2}"/>
+          </ac:spMkLst>
+        </pc:spChg>
+        <pc:grpChg chg="mod ord">
+          <ac:chgData name="김 준이" userId="98e3a0a8376a7895" providerId="LiveId" clId="{5152A7A9-6EE1-4983-8618-EB807E110325}" dt="2023-03-01T07:03:56.320" v="57" actId="167"/>
+          <ac:grpSpMkLst>
+            <pc:docMk/>
+            <pc:sldMk cId="2773757964" sldId="264"/>
+            <ac:grpSpMk id="9" creationId="{31329BB8-463A-1D35-EAF6-A953B7711A44}"/>
+          </ac:grpSpMkLst>
+        </pc:grpChg>
       </pc:sldChg>
     </pc:docChg>
   </pc:docChgLst>
@@ -842,6 +914,90 @@
     <p:extLst>
       <p:ext uri="{BB962C8B-B14F-4D97-AF65-F5344CB8AC3E}">
         <p14:creationId xmlns:p14="http://schemas.microsoft.com/office/powerpoint/2010/main" val="2936165021"/>
+      </p:ext>
+    </p:extLst>
+  </p:cSld>
+  <p:clrMapOvr>
+    <a:masterClrMapping/>
+  </p:clrMapOvr>
+</p:notes>
+</file>
+
+<file path=ppt/notesSlides/notesSlide5.xml><?xml version="1.0" encoding="utf-8"?>
+<p:notes xmlns:a="http://schemas.openxmlformats.org/drawingml/2006/main" xmlns:r="http://schemas.openxmlformats.org/officeDocument/2006/relationships" xmlns:p="http://schemas.openxmlformats.org/presentationml/2006/main">
+  <p:cSld>
+    <p:spTree>
+      <p:nvGrpSpPr>
+        <p:cNvPr id="1" name=""/>
+        <p:cNvGrpSpPr/>
+        <p:nvPr/>
+      </p:nvGrpSpPr>
+      <p:grpSpPr>
+        <a:xfrm>
+          <a:off x="0" y="0"/>
+          <a:ext cx="0" cy="0"/>
+          <a:chOff x="0" y="0"/>
+          <a:chExt cx="0" cy="0"/>
+        </a:xfrm>
+      </p:grpSpPr>
+      <p:sp>
+        <p:nvSpPr>
+          <p:cNvPr id="2" name="슬라이드 이미지 개체 틀 1"/>
+          <p:cNvSpPr>
+            <a:spLocks noGrp="1" noRot="1" noChangeAspect="1"/>
+          </p:cNvSpPr>
+          <p:nvPr>
+            <p:ph type="sldImg"/>
+          </p:nvPr>
+        </p:nvSpPr>
+        <p:spPr/>
+      </p:sp>
+      <p:sp>
+        <p:nvSpPr>
+          <p:cNvPr id="3" name="슬라이드 노트 개체 틀 2"/>
+          <p:cNvSpPr>
+            <a:spLocks noGrp="1"/>
+          </p:cNvSpPr>
+          <p:nvPr>
+            <p:ph type="body" idx="1"/>
+          </p:nvPr>
+        </p:nvSpPr>
+        <p:spPr/>
+        <p:txBody>
+          <a:bodyPr/>
+          <a:lstStyle/>
+          <a:p>
+            <a:endParaRPr lang="ko-KR" altLang="en-US" dirty="0"/>
+          </a:p>
+        </p:txBody>
+      </p:sp>
+      <p:sp>
+        <p:nvSpPr>
+          <p:cNvPr id="4" name="슬라이드 번호 개체 틀 3"/>
+          <p:cNvSpPr>
+            <a:spLocks noGrp="1"/>
+          </p:cNvSpPr>
+          <p:nvPr>
+            <p:ph type="sldNum" sz="quarter" idx="5"/>
+          </p:nvPr>
+        </p:nvSpPr>
+        <p:spPr/>
+        <p:txBody>
+          <a:bodyPr/>
+          <a:lstStyle/>
+          <a:p>
+            <a:fld id="{A75EB0DC-213E-4DD6-A25C-037BC2CBEFBA}" type="slidenum">
+              <a:rPr lang="ko-KR" altLang="en-US" smtClean="0"/>
+              <a:t>7</a:t>
+            </a:fld>
+            <a:endParaRPr lang="ko-KR" altLang="en-US"/>
+          </a:p>
+        </p:txBody>
+      </p:sp>
+    </p:spTree>
+    <p:extLst>
+      <p:ext uri="{BB962C8B-B14F-4D97-AF65-F5344CB8AC3E}">
+        <p14:creationId xmlns:p14="http://schemas.microsoft.com/office/powerpoint/2010/main" val="220061212"/>
       </p:ext>
     </p:extLst>
   </p:cSld>
@@ -7205,6 +7361,1462 @@
       <p:bldP spid="32" grpId="0" animBg="1"/>
       <p:bldP spid="34" grpId="0" animBg="1"/>
       <p:bldP spid="35" grpId="0" animBg="1"/>
+    </p:bldLst>
+  </p:timing>
+</p:sld>
+</file>
+
+<file path=ppt/slides/slide7.xml><?xml version="1.0" encoding="utf-8"?>
+<p:sld xmlns:a="http://schemas.openxmlformats.org/drawingml/2006/main" xmlns:r="http://schemas.openxmlformats.org/officeDocument/2006/relationships" xmlns:p="http://schemas.openxmlformats.org/presentationml/2006/main">
+  <p:cSld>
+    <p:spTree>
+      <p:nvGrpSpPr>
+        <p:cNvPr id="1" name=""/>
+        <p:cNvGrpSpPr/>
+        <p:nvPr/>
+      </p:nvGrpSpPr>
+      <p:grpSpPr>
+        <a:xfrm>
+          <a:off x="0" y="0"/>
+          <a:ext cx="0" cy="0"/>
+          <a:chOff x="0" y="0"/>
+          <a:chExt cx="0" cy="0"/>
+        </a:xfrm>
+      </p:grpSpPr>
+      <p:grpSp>
+        <p:nvGrpSpPr>
+          <p:cNvPr id="9" name="그룹 8">
+            <a:extLst>
+              <a:ext uri="{FF2B5EF4-FFF2-40B4-BE49-F238E27FC236}">
+                <a16:creationId xmlns:a16="http://schemas.microsoft.com/office/drawing/2014/main" id="{31329BB8-463A-1D35-EAF6-A953B7711A44}"/>
+              </a:ext>
+            </a:extLst>
+          </p:cNvPr>
+          <p:cNvGrpSpPr/>
+          <p:nvPr/>
+        </p:nvGrpSpPr>
+        <p:grpSpPr>
+          <a:xfrm>
+            <a:off x="1870869" y="0"/>
+            <a:ext cx="32258000" cy="35999738"/>
+            <a:chOff x="2438400" y="0"/>
+            <a:chExt cx="32258000" cy="35999738"/>
+          </a:xfrm>
+        </p:grpSpPr>
+        <p:sp>
+          <p:nvSpPr>
+            <p:cNvPr id="2" name="직사각형 1">
+              <a:extLst>
+                <a:ext uri="{FF2B5EF4-FFF2-40B4-BE49-F238E27FC236}">
+                  <a16:creationId xmlns:a16="http://schemas.microsoft.com/office/drawing/2014/main" id="{F82790FD-D24B-822A-8C5D-45A69A0091AB}"/>
+                </a:ext>
+              </a:extLst>
+            </p:cNvPr>
+            <p:cNvSpPr/>
+            <p:nvPr/>
+          </p:nvSpPr>
+          <p:spPr>
+            <a:xfrm>
+              <a:off x="2438400" y="0"/>
+              <a:ext cx="5334000" cy="35999738"/>
+            </a:xfrm>
+            <a:prstGeom prst="rect">
+              <a:avLst/>
+            </a:prstGeom>
+            <a:solidFill>
+              <a:srgbClr val="444444"/>
+            </a:solidFill>
+            <a:ln w="381000">
+              <a:solidFill>
+                <a:schemeClr val="tx1"/>
+              </a:solidFill>
+            </a:ln>
+          </p:spPr>
+          <p:style>
+            <a:lnRef idx="2">
+              <a:schemeClr val="accent1">
+                <a:shade val="50000"/>
+              </a:schemeClr>
+            </a:lnRef>
+            <a:fillRef idx="1">
+              <a:schemeClr val="accent1"/>
+            </a:fillRef>
+            <a:effectRef idx="0">
+              <a:schemeClr val="accent1"/>
+            </a:effectRef>
+            <a:fontRef idx="minor">
+              <a:schemeClr val="lt1"/>
+            </a:fontRef>
+          </p:style>
+          <p:txBody>
+            <a:bodyPr rtlCol="0" anchor="ctr"/>
+            <a:lstStyle/>
+            <a:p>
+              <a:pPr algn="ctr"/>
+              <a:endParaRPr lang="ko-KR" altLang="en-US"/>
+            </a:p>
+          </p:txBody>
+        </p:sp>
+        <p:sp>
+          <p:nvSpPr>
+            <p:cNvPr id="3" name="직사각형 2">
+              <a:extLst>
+                <a:ext uri="{FF2B5EF4-FFF2-40B4-BE49-F238E27FC236}">
+                  <a16:creationId xmlns:a16="http://schemas.microsoft.com/office/drawing/2014/main" id="{92D6D1B2-FC3D-4435-50CA-3D0EB29B40DE}"/>
+                </a:ext>
+              </a:extLst>
+            </p:cNvPr>
+            <p:cNvSpPr/>
+            <p:nvPr/>
+          </p:nvSpPr>
+          <p:spPr>
+            <a:xfrm>
+              <a:off x="7823200" y="0"/>
+              <a:ext cx="5334000" cy="35999738"/>
+            </a:xfrm>
+            <a:prstGeom prst="rect">
+              <a:avLst/>
+            </a:prstGeom>
+            <a:solidFill>
+              <a:srgbClr val="444444"/>
+            </a:solidFill>
+            <a:ln w="381000">
+              <a:solidFill>
+                <a:schemeClr val="tx1"/>
+              </a:solidFill>
+            </a:ln>
+          </p:spPr>
+          <p:style>
+            <a:lnRef idx="2">
+              <a:schemeClr val="accent1">
+                <a:shade val="50000"/>
+              </a:schemeClr>
+            </a:lnRef>
+            <a:fillRef idx="1">
+              <a:schemeClr val="accent1"/>
+            </a:fillRef>
+            <a:effectRef idx="0">
+              <a:schemeClr val="accent1"/>
+            </a:effectRef>
+            <a:fontRef idx="minor">
+              <a:schemeClr val="lt1"/>
+            </a:fontRef>
+          </p:style>
+          <p:txBody>
+            <a:bodyPr rtlCol="0" anchor="ctr"/>
+            <a:lstStyle/>
+            <a:p>
+              <a:pPr algn="ctr"/>
+              <a:endParaRPr lang="ko-KR" altLang="en-US"/>
+            </a:p>
+          </p:txBody>
+        </p:sp>
+        <p:sp>
+          <p:nvSpPr>
+            <p:cNvPr id="5" name="직사각형 4">
+              <a:extLst>
+                <a:ext uri="{FF2B5EF4-FFF2-40B4-BE49-F238E27FC236}">
+                  <a16:creationId xmlns:a16="http://schemas.microsoft.com/office/drawing/2014/main" id="{E61D7A0F-7794-7BDC-C757-D90A4AB53FAB}"/>
+                </a:ext>
+              </a:extLst>
+            </p:cNvPr>
+            <p:cNvSpPr/>
+            <p:nvPr/>
+          </p:nvSpPr>
+          <p:spPr>
+            <a:xfrm>
+              <a:off x="13208000" y="0"/>
+              <a:ext cx="5334000" cy="35999738"/>
+            </a:xfrm>
+            <a:prstGeom prst="rect">
+              <a:avLst/>
+            </a:prstGeom>
+            <a:solidFill>
+              <a:srgbClr val="444444"/>
+            </a:solidFill>
+            <a:ln w="381000">
+              <a:solidFill>
+                <a:schemeClr val="tx1"/>
+              </a:solidFill>
+            </a:ln>
+          </p:spPr>
+          <p:style>
+            <a:lnRef idx="2">
+              <a:schemeClr val="accent1">
+                <a:shade val="50000"/>
+              </a:schemeClr>
+            </a:lnRef>
+            <a:fillRef idx="1">
+              <a:schemeClr val="accent1"/>
+            </a:fillRef>
+            <a:effectRef idx="0">
+              <a:schemeClr val="accent1"/>
+            </a:effectRef>
+            <a:fontRef idx="minor">
+              <a:schemeClr val="lt1"/>
+            </a:fontRef>
+          </p:style>
+          <p:txBody>
+            <a:bodyPr rtlCol="0" anchor="ctr"/>
+            <a:lstStyle/>
+            <a:p>
+              <a:pPr algn="ctr"/>
+              <a:endParaRPr lang="ko-KR" altLang="en-US"/>
+            </a:p>
+          </p:txBody>
+        </p:sp>
+        <p:sp>
+          <p:nvSpPr>
+            <p:cNvPr id="6" name="직사각형 5">
+              <a:extLst>
+                <a:ext uri="{FF2B5EF4-FFF2-40B4-BE49-F238E27FC236}">
+                  <a16:creationId xmlns:a16="http://schemas.microsoft.com/office/drawing/2014/main" id="{3B934655-7FEC-CF72-567E-E0F2D0B14600}"/>
+                </a:ext>
+              </a:extLst>
+            </p:cNvPr>
+            <p:cNvSpPr/>
+            <p:nvPr/>
+          </p:nvSpPr>
+          <p:spPr>
+            <a:xfrm>
+              <a:off x="18592800" y="0"/>
+              <a:ext cx="5334000" cy="35999738"/>
+            </a:xfrm>
+            <a:prstGeom prst="rect">
+              <a:avLst/>
+            </a:prstGeom>
+            <a:solidFill>
+              <a:srgbClr val="444444"/>
+            </a:solidFill>
+            <a:ln w="381000">
+              <a:solidFill>
+                <a:schemeClr val="tx1"/>
+              </a:solidFill>
+            </a:ln>
+          </p:spPr>
+          <p:style>
+            <a:lnRef idx="2">
+              <a:schemeClr val="accent1">
+                <a:shade val="50000"/>
+              </a:schemeClr>
+            </a:lnRef>
+            <a:fillRef idx="1">
+              <a:schemeClr val="accent1"/>
+            </a:fillRef>
+            <a:effectRef idx="0">
+              <a:schemeClr val="accent1"/>
+            </a:effectRef>
+            <a:fontRef idx="minor">
+              <a:schemeClr val="lt1"/>
+            </a:fontRef>
+          </p:style>
+          <p:txBody>
+            <a:bodyPr rtlCol="0" anchor="ctr"/>
+            <a:lstStyle/>
+            <a:p>
+              <a:pPr algn="ctr"/>
+              <a:endParaRPr lang="ko-KR" altLang="en-US"/>
+            </a:p>
+          </p:txBody>
+        </p:sp>
+        <p:sp>
+          <p:nvSpPr>
+            <p:cNvPr id="7" name="직사각형 6">
+              <a:extLst>
+                <a:ext uri="{FF2B5EF4-FFF2-40B4-BE49-F238E27FC236}">
+                  <a16:creationId xmlns:a16="http://schemas.microsoft.com/office/drawing/2014/main" id="{75E80A83-A858-A4EF-2190-E57951B957BA}"/>
+                </a:ext>
+              </a:extLst>
+            </p:cNvPr>
+            <p:cNvSpPr/>
+            <p:nvPr/>
+          </p:nvSpPr>
+          <p:spPr>
+            <a:xfrm>
+              <a:off x="23977600" y="0"/>
+              <a:ext cx="5334000" cy="35999738"/>
+            </a:xfrm>
+            <a:prstGeom prst="rect">
+              <a:avLst/>
+            </a:prstGeom>
+            <a:solidFill>
+              <a:srgbClr val="444444"/>
+            </a:solidFill>
+            <a:ln w="381000">
+              <a:solidFill>
+                <a:schemeClr val="tx1"/>
+              </a:solidFill>
+            </a:ln>
+          </p:spPr>
+          <p:style>
+            <a:lnRef idx="2">
+              <a:schemeClr val="accent1">
+                <a:shade val="50000"/>
+              </a:schemeClr>
+            </a:lnRef>
+            <a:fillRef idx="1">
+              <a:schemeClr val="accent1"/>
+            </a:fillRef>
+            <a:effectRef idx="0">
+              <a:schemeClr val="accent1"/>
+            </a:effectRef>
+            <a:fontRef idx="minor">
+              <a:schemeClr val="lt1"/>
+            </a:fontRef>
+          </p:style>
+          <p:txBody>
+            <a:bodyPr rtlCol="0" anchor="ctr"/>
+            <a:lstStyle/>
+            <a:p>
+              <a:pPr algn="ctr"/>
+              <a:endParaRPr lang="ko-KR" altLang="en-US"/>
+            </a:p>
+          </p:txBody>
+        </p:sp>
+        <p:sp>
+          <p:nvSpPr>
+            <p:cNvPr id="8" name="직사각형 7">
+              <a:extLst>
+                <a:ext uri="{FF2B5EF4-FFF2-40B4-BE49-F238E27FC236}">
+                  <a16:creationId xmlns:a16="http://schemas.microsoft.com/office/drawing/2014/main" id="{6E7CC5C3-F280-3AC4-50F7-B5C782E1693D}"/>
+                </a:ext>
+              </a:extLst>
+            </p:cNvPr>
+            <p:cNvSpPr/>
+            <p:nvPr/>
+          </p:nvSpPr>
+          <p:spPr>
+            <a:xfrm>
+              <a:off x="29362400" y="0"/>
+              <a:ext cx="5334000" cy="35999738"/>
+            </a:xfrm>
+            <a:prstGeom prst="rect">
+              <a:avLst/>
+            </a:prstGeom>
+            <a:solidFill>
+              <a:srgbClr val="444444"/>
+            </a:solidFill>
+            <a:ln w="381000">
+              <a:solidFill>
+                <a:schemeClr val="tx1"/>
+              </a:solidFill>
+            </a:ln>
+          </p:spPr>
+          <p:style>
+            <a:lnRef idx="2">
+              <a:schemeClr val="accent1">
+                <a:shade val="50000"/>
+              </a:schemeClr>
+            </a:lnRef>
+            <a:fillRef idx="1">
+              <a:schemeClr val="accent1"/>
+            </a:fillRef>
+            <a:effectRef idx="0">
+              <a:schemeClr val="accent1"/>
+            </a:effectRef>
+            <a:fontRef idx="minor">
+              <a:schemeClr val="lt1"/>
+            </a:fontRef>
+          </p:style>
+          <p:txBody>
+            <a:bodyPr rtlCol="0" anchor="ctr"/>
+            <a:lstStyle/>
+            <a:p>
+              <a:pPr algn="ctr"/>
+              <a:endParaRPr lang="ko-KR" altLang="en-US"/>
+            </a:p>
+          </p:txBody>
+        </p:sp>
+      </p:grpSp>
+      <p:sp>
+        <p:nvSpPr>
+          <p:cNvPr id="4" name="타원 3">
+            <a:extLst>
+              <a:ext uri="{FF2B5EF4-FFF2-40B4-BE49-F238E27FC236}">
+                <a16:creationId xmlns:a16="http://schemas.microsoft.com/office/drawing/2014/main" id="{C99CA8BA-BB05-C722-3D97-4F5478A7B8F7}"/>
+              </a:ext>
+            </a:extLst>
+          </p:cNvPr>
+          <p:cNvSpPr/>
+          <p:nvPr/>
+        </p:nvSpPr>
+        <p:spPr>
+          <a:xfrm>
+            <a:off x="30561869" y="17099869"/>
+            <a:ext cx="1800000" cy="1800000"/>
+          </a:xfrm>
+          <a:prstGeom prst="ellipse">
+            <a:avLst/>
+          </a:prstGeom>
+          <a:solidFill>
+            <a:srgbClr val="782DDF"/>
+          </a:solidFill>
+          <a:ln w="127000">
+            <a:solidFill>
+              <a:schemeClr val="tx1"/>
+            </a:solidFill>
+          </a:ln>
+        </p:spPr>
+        <p:style>
+          <a:lnRef idx="2">
+            <a:schemeClr val="accent1">
+              <a:shade val="50000"/>
+            </a:schemeClr>
+          </a:lnRef>
+          <a:fillRef idx="1">
+            <a:schemeClr val="accent1"/>
+          </a:fillRef>
+          <a:effectRef idx="0">
+            <a:schemeClr val="accent1"/>
+          </a:effectRef>
+          <a:fontRef idx="minor">
+            <a:schemeClr val="lt1"/>
+          </a:fontRef>
+        </p:style>
+        <p:txBody>
+          <a:bodyPr rtlCol="0" anchor="ctr"/>
+          <a:lstStyle/>
+          <a:p>
+            <a:pPr algn="ctr"/>
+            <a:endParaRPr lang="ko-KR" altLang="en-US"/>
+          </a:p>
+        </p:txBody>
+      </p:sp>
+      <p:sp>
+        <p:nvSpPr>
+          <p:cNvPr id="13" name="타원 12">
+            <a:extLst>
+              <a:ext uri="{FF2B5EF4-FFF2-40B4-BE49-F238E27FC236}">
+                <a16:creationId xmlns:a16="http://schemas.microsoft.com/office/drawing/2014/main" id="{94EF2F0D-4C21-ECD1-47A3-2EFBFBD5FCC2}"/>
+              </a:ext>
+            </a:extLst>
+          </p:cNvPr>
+          <p:cNvSpPr/>
+          <p:nvPr/>
+        </p:nvSpPr>
+        <p:spPr>
+          <a:xfrm>
+            <a:off x="19690669" y="17099869"/>
+            <a:ext cx="1800000" cy="1800000"/>
+          </a:xfrm>
+          <a:prstGeom prst="ellipse">
+            <a:avLst/>
+          </a:prstGeom>
+          <a:solidFill>
+            <a:srgbClr val="782DDF"/>
+          </a:solidFill>
+          <a:ln w="127000">
+            <a:solidFill>
+              <a:schemeClr val="tx1"/>
+            </a:solidFill>
+          </a:ln>
+        </p:spPr>
+        <p:style>
+          <a:lnRef idx="2">
+            <a:schemeClr val="accent1">
+              <a:shade val="50000"/>
+            </a:schemeClr>
+          </a:lnRef>
+          <a:fillRef idx="1">
+            <a:schemeClr val="accent1"/>
+          </a:fillRef>
+          <a:effectRef idx="0">
+            <a:schemeClr val="accent1"/>
+          </a:effectRef>
+          <a:fontRef idx="minor">
+            <a:schemeClr val="lt1"/>
+          </a:fontRef>
+        </p:style>
+        <p:txBody>
+          <a:bodyPr rtlCol="0" anchor="ctr"/>
+          <a:lstStyle/>
+          <a:p>
+            <a:pPr algn="ctr"/>
+            <a:endParaRPr lang="ko-KR" altLang="en-US"/>
+          </a:p>
+        </p:txBody>
+      </p:sp>
+      <p:sp>
+        <p:nvSpPr>
+          <p:cNvPr id="14" name="직사각형 13">
+            <a:extLst>
+              <a:ext uri="{FF2B5EF4-FFF2-40B4-BE49-F238E27FC236}">
+                <a16:creationId xmlns:a16="http://schemas.microsoft.com/office/drawing/2014/main" id="{982DCC28-52CF-589C-ADD1-20D05AC86504}"/>
+              </a:ext>
+            </a:extLst>
+          </p:cNvPr>
+          <p:cNvSpPr/>
+          <p:nvPr/>
+        </p:nvSpPr>
+        <p:spPr>
+          <a:xfrm>
+            <a:off x="12589669" y="17508538"/>
+            <a:ext cx="5384800" cy="812800"/>
+          </a:xfrm>
+          <a:prstGeom prst="rect">
+            <a:avLst/>
+          </a:prstGeom>
+          <a:solidFill>
+            <a:schemeClr val="bg1"/>
+          </a:solidFill>
+          <a:ln w="127000">
+            <a:solidFill>
+              <a:schemeClr val="tx1"/>
+            </a:solidFill>
+          </a:ln>
+        </p:spPr>
+        <p:style>
+          <a:lnRef idx="2">
+            <a:schemeClr val="accent1">
+              <a:shade val="50000"/>
+            </a:schemeClr>
+          </a:lnRef>
+          <a:fillRef idx="1">
+            <a:schemeClr val="accent1"/>
+          </a:fillRef>
+          <a:effectRef idx="0">
+            <a:schemeClr val="accent1"/>
+          </a:effectRef>
+          <a:fontRef idx="minor">
+            <a:schemeClr val="lt1"/>
+          </a:fontRef>
+        </p:style>
+        <p:txBody>
+          <a:bodyPr rtlCol="0" anchor="ctr"/>
+          <a:lstStyle/>
+          <a:p>
+            <a:pPr algn="ctr"/>
+            <a:endParaRPr lang="ko-KR" altLang="en-US"/>
+          </a:p>
+        </p:txBody>
+      </p:sp>
+      <p:sp>
+        <p:nvSpPr>
+          <p:cNvPr id="12" name="직사각형 11">
+            <a:extLst>
+              <a:ext uri="{FF2B5EF4-FFF2-40B4-BE49-F238E27FC236}">
+                <a16:creationId xmlns:a16="http://schemas.microsoft.com/office/drawing/2014/main" id="{B96647DC-417D-A007-60E3-D24A7588931E}"/>
+              </a:ext>
+            </a:extLst>
+          </p:cNvPr>
+          <p:cNvSpPr/>
+          <p:nvPr/>
+        </p:nvSpPr>
+        <p:spPr>
+          <a:xfrm>
+            <a:off x="1870869" y="-1778000"/>
+            <a:ext cx="5334000" cy="1117600"/>
+          </a:xfrm>
+          <a:prstGeom prst="rect">
+            <a:avLst/>
+          </a:prstGeom>
+          <a:solidFill>
+            <a:srgbClr val="84BEE5"/>
+          </a:solidFill>
+          <a:ln>
+            <a:noFill/>
+          </a:ln>
+        </p:spPr>
+        <p:style>
+          <a:lnRef idx="2">
+            <a:schemeClr val="accent1">
+              <a:shade val="50000"/>
+            </a:schemeClr>
+          </a:lnRef>
+          <a:fillRef idx="1">
+            <a:schemeClr val="accent1"/>
+          </a:fillRef>
+          <a:effectRef idx="0">
+            <a:schemeClr val="accent1"/>
+          </a:effectRef>
+          <a:fontRef idx="minor">
+            <a:schemeClr val="lt1"/>
+          </a:fontRef>
+        </p:style>
+        <p:txBody>
+          <a:bodyPr rtlCol="0" anchor="ctr"/>
+          <a:lstStyle/>
+          <a:p>
+            <a:pPr algn="ctr"/>
+            <a:endParaRPr lang="ko-KR" altLang="en-US"/>
+          </a:p>
+        </p:txBody>
+      </p:sp>
+      <p:sp>
+        <p:nvSpPr>
+          <p:cNvPr id="29" name="직사각형 28">
+            <a:extLst>
+              <a:ext uri="{FF2B5EF4-FFF2-40B4-BE49-F238E27FC236}">
+                <a16:creationId xmlns:a16="http://schemas.microsoft.com/office/drawing/2014/main" id="{B46796D3-B2C0-D309-2251-25B4BF3AA422}"/>
+              </a:ext>
+            </a:extLst>
+          </p:cNvPr>
+          <p:cNvSpPr/>
+          <p:nvPr/>
+        </p:nvSpPr>
+        <p:spPr>
+          <a:xfrm>
+            <a:off x="12589669" y="-1778000"/>
+            <a:ext cx="5334000" cy="1117600"/>
+          </a:xfrm>
+          <a:prstGeom prst="rect">
+            <a:avLst/>
+          </a:prstGeom>
+          <a:solidFill>
+            <a:srgbClr val="84BEE5"/>
+          </a:solidFill>
+          <a:ln>
+            <a:noFill/>
+          </a:ln>
+        </p:spPr>
+        <p:style>
+          <a:lnRef idx="2">
+            <a:schemeClr val="accent1">
+              <a:shade val="50000"/>
+            </a:schemeClr>
+          </a:lnRef>
+          <a:fillRef idx="1">
+            <a:schemeClr val="accent1"/>
+          </a:fillRef>
+          <a:effectRef idx="0">
+            <a:schemeClr val="accent1"/>
+          </a:effectRef>
+          <a:fontRef idx="minor">
+            <a:schemeClr val="lt1"/>
+          </a:fontRef>
+        </p:style>
+        <p:txBody>
+          <a:bodyPr rtlCol="0" anchor="ctr"/>
+          <a:lstStyle/>
+          <a:p>
+            <a:pPr algn="ctr"/>
+            <a:endParaRPr lang="ko-KR" altLang="en-US"/>
+          </a:p>
+        </p:txBody>
+      </p:sp>
+      <p:sp>
+        <p:nvSpPr>
+          <p:cNvPr id="31" name="직사각형 30">
+            <a:extLst>
+              <a:ext uri="{FF2B5EF4-FFF2-40B4-BE49-F238E27FC236}">
+                <a16:creationId xmlns:a16="http://schemas.microsoft.com/office/drawing/2014/main" id="{42A1ACD6-D8BF-F5DC-2B86-3CEE5069EADB}"/>
+              </a:ext>
+            </a:extLst>
+          </p:cNvPr>
+          <p:cNvSpPr/>
+          <p:nvPr/>
+        </p:nvSpPr>
+        <p:spPr>
+          <a:xfrm>
+            <a:off x="7306469" y="36660138"/>
+            <a:ext cx="5334000" cy="1117600"/>
+          </a:xfrm>
+          <a:prstGeom prst="rect">
+            <a:avLst/>
+          </a:prstGeom>
+          <a:solidFill>
+            <a:srgbClr val="05DA73"/>
+          </a:solidFill>
+          <a:ln>
+            <a:noFill/>
+          </a:ln>
+        </p:spPr>
+        <p:style>
+          <a:lnRef idx="2">
+            <a:schemeClr val="accent1">
+              <a:shade val="50000"/>
+            </a:schemeClr>
+          </a:lnRef>
+          <a:fillRef idx="1">
+            <a:schemeClr val="accent1"/>
+          </a:fillRef>
+          <a:effectRef idx="0">
+            <a:schemeClr val="accent1"/>
+          </a:effectRef>
+          <a:fontRef idx="minor">
+            <a:schemeClr val="lt1"/>
+          </a:fontRef>
+        </p:style>
+        <p:txBody>
+          <a:bodyPr rtlCol="0" anchor="ctr"/>
+          <a:lstStyle/>
+          <a:p>
+            <a:pPr algn="ctr"/>
+            <a:endParaRPr lang="ko-KR" altLang="en-US"/>
+          </a:p>
+        </p:txBody>
+      </p:sp>
+      <p:sp>
+        <p:nvSpPr>
+          <p:cNvPr id="32" name="직사각형 31">
+            <a:extLst>
+              <a:ext uri="{FF2B5EF4-FFF2-40B4-BE49-F238E27FC236}">
+                <a16:creationId xmlns:a16="http://schemas.microsoft.com/office/drawing/2014/main" id="{BE08CFF4-0BFA-C82A-8A17-7D90F4847DA5}"/>
+              </a:ext>
+            </a:extLst>
+          </p:cNvPr>
+          <p:cNvSpPr/>
+          <p:nvPr/>
+        </p:nvSpPr>
+        <p:spPr>
+          <a:xfrm>
+            <a:off x="17923669" y="36660138"/>
+            <a:ext cx="5334000" cy="1117600"/>
+          </a:xfrm>
+          <a:prstGeom prst="rect">
+            <a:avLst/>
+          </a:prstGeom>
+          <a:solidFill>
+            <a:srgbClr val="05DA73"/>
+          </a:solidFill>
+          <a:ln>
+            <a:noFill/>
+          </a:ln>
+        </p:spPr>
+        <p:style>
+          <a:lnRef idx="2">
+            <a:schemeClr val="accent1">
+              <a:shade val="50000"/>
+            </a:schemeClr>
+          </a:lnRef>
+          <a:fillRef idx="1">
+            <a:schemeClr val="accent1"/>
+          </a:fillRef>
+          <a:effectRef idx="0">
+            <a:schemeClr val="accent1"/>
+          </a:effectRef>
+          <a:fontRef idx="minor">
+            <a:schemeClr val="lt1"/>
+          </a:fontRef>
+        </p:style>
+        <p:txBody>
+          <a:bodyPr rtlCol="0" anchor="ctr"/>
+          <a:lstStyle/>
+          <a:p>
+            <a:pPr algn="ctr"/>
+            <a:endParaRPr lang="ko-KR" altLang="en-US"/>
+          </a:p>
+        </p:txBody>
+      </p:sp>
+      <p:sp>
+        <p:nvSpPr>
+          <p:cNvPr id="34" name="직사각형 33">
+            <a:extLst>
+              <a:ext uri="{FF2B5EF4-FFF2-40B4-BE49-F238E27FC236}">
+                <a16:creationId xmlns:a16="http://schemas.microsoft.com/office/drawing/2014/main" id="{3C0F6E10-1D72-6FEB-D9DD-B572C8DBE573}"/>
+              </a:ext>
+            </a:extLst>
+          </p:cNvPr>
+          <p:cNvSpPr/>
+          <p:nvPr/>
+        </p:nvSpPr>
+        <p:spPr>
+          <a:xfrm>
+            <a:off x="23359269" y="-1778000"/>
+            <a:ext cx="5334000" cy="1117600"/>
+          </a:xfrm>
+          <a:prstGeom prst="rect">
+            <a:avLst/>
+          </a:prstGeom>
+          <a:solidFill>
+            <a:srgbClr val="84BEE5"/>
+          </a:solidFill>
+          <a:ln>
+            <a:noFill/>
+          </a:ln>
+        </p:spPr>
+        <p:style>
+          <a:lnRef idx="2">
+            <a:schemeClr val="accent1">
+              <a:shade val="50000"/>
+            </a:schemeClr>
+          </a:lnRef>
+          <a:fillRef idx="1">
+            <a:schemeClr val="accent1"/>
+          </a:fillRef>
+          <a:effectRef idx="0">
+            <a:schemeClr val="accent1"/>
+          </a:effectRef>
+          <a:fontRef idx="minor">
+            <a:schemeClr val="lt1"/>
+          </a:fontRef>
+        </p:style>
+        <p:txBody>
+          <a:bodyPr rtlCol="0" anchor="ctr"/>
+          <a:lstStyle/>
+          <a:p>
+            <a:pPr algn="ctr"/>
+            <a:endParaRPr lang="ko-KR" altLang="en-US"/>
+          </a:p>
+        </p:txBody>
+      </p:sp>
+      <p:sp>
+        <p:nvSpPr>
+          <p:cNvPr id="36" name="TextBox 35">
+            <a:extLst>
+              <a:ext uri="{FF2B5EF4-FFF2-40B4-BE49-F238E27FC236}">
+                <a16:creationId xmlns:a16="http://schemas.microsoft.com/office/drawing/2014/main" id="{7D657D50-8DE7-DE62-539C-822E73BAA432}"/>
+              </a:ext>
+            </a:extLst>
+          </p:cNvPr>
+          <p:cNvSpPr txBox="1"/>
+          <p:nvPr/>
+        </p:nvSpPr>
+        <p:spPr>
+          <a:xfrm rot="16200000">
+            <a:off x="-1176219" y="32766002"/>
+            <a:ext cx="3983655" cy="1631216"/>
+          </a:xfrm>
+          <a:prstGeom prst="rect">
+            <a:avLst/>
+          </a:prstGeom>
+          <a:noFill/>
+        </p:spPr>
+        <p:txBody>
+          <a:bodyPr wrap="none" rtlCol="0">
+            <a:spAutoFit/>
+          </a:bodyPr>
+          <a:lstStyle/>
+          <a:p>
+            <a:pPr algn="l"/>
+            <a:r>
+              <a:rPr lang="en-US" altLang="ko-KR" sz="10000" b="1" dirty="0">
+                <a:solidFill>
+                  <a:schemeClr val="accent4"/>
+                </a:solidFill>
+              </a:rPr>
+              <a:t>perfect</a:t>
+            </a:r>
+            <a:endParaRPr lang="ko-KR" altLang="en-US" sz="10000" b="1" dirty="0">
+              <a:solidFill>
+                <a:schemeClr val="accent4"/>
+              </a:solidFill>
+            </a:endParaRPr>
+          </a:p>
+        </p:txBody>
+      </p:sp>
+      <p:sp>
+        <p:nvSpPr>
+          <p:cNvPr id="37" name="TextBox 36">
+            <a:extLst>
+              <a:ext uri="{FF2B5EF4-FFF2-40B4-BE49-F238E27FC236}">
+                <a16:creationId xmlns:a16="http://schemas.microsoft.com/office/drawing/2014/main" id="{A7C6C8ED-3245-DB98-C49B-5045F7E43420}"/>
+              </a:ext>
+            </a:extLst>
+          </p:cNvPr>
+          <p:cNvSpPr txBox="1"/>
+          <p:nvPr/>
+        </p:nvSpPr>
+        <p:spPr>
+          <a:xfrm rot="5400000">
+            <a:off x="32952650" y="1422403"/>
+            <a:ext cx="3983655" cy="1631216"/>
+          </a:xfrm>
+          <a:prstGeom prst="rect">
+            <a:avLst/>
+          </a:prstGeom>
+          <a:noFill/>
+        </p:spPr>
+        <p:txBody>
+          <a:bodyPr wrap="none" rtlCol="0">
+            <a:spAutoFit/>
+          </a:bodyPr>
+          <a:lstStyle/>
+          <a:p>
+            <a:pPr algn="l"/>
+            <a:r>
+              <a:rPr lang="en-US" altLang="ko-KR" sz="10000" b="1" dirty="0">
+                <a:solidFill>
+                  <a:schemeClr val="accent4"/>
+                </a:solidFill>
+              </a:rPr>
+              <a:t>perfect</a:t>
+            </a:r>
+            <a:endParaRPr lang="ko-KR" altLang="en-US" sz="10000" b="1" dirty="0">
+              <a:solidFill>
+                <a:schemeClr val="accent4"/>
+              </a:solidFill>
+            </a:endParaRPr>
+          </a:p>
+        </p:txBody>
+      </p:sp>
+      <p:sp>
+        <p:nvSpPr>
+          <p:cNvPr id="38" name="TextBox 37">
+            <a:extLst>
+              <a:ext uri="{FF2B5EF4-FFF2-40B4-BE49-F238E27FC236}">
+                <a16:creationId xmlns:a16="http://schemas.microsoft.com/office/drawing/2014/main" id="{8E2AE255-827D-CA15-6CA5-30B1CABAD7DD}"/>
+              </a:ext>
+            </a:extLst>
+          </p:cNvPr>
+          <p:cNvSpPr txBox="1"/>
+          <p:nvPr/>
+        </p:nvSpPr>
+        <p:spPr>
+          <a:xfrm rot="5400000">
+            <a:off x="34253728" y="34148408"/>
+            <a:ext cx="1483098" cy="1631216"/>
+          </a:xfrm>
+          <a:prstGeom prst="rect">
+            <a:avLst/>
+          </a:prstGeom>
+          <a:noFill/>
+        </p:spPr>
+        <p:txBody>
+          <a:bodyPr wrap="none" rtlCol="0">
+            <a:spAutoFit/>
+          </a:bodyPr>
+          <a:lstStyle/>
+          <a:p>
+            <a:pPr algn="l"/>
+            <a:r>
+              <a:rPr lang="en-US" altLang="ko-KR" sz="10000" b="1" dirty="0">
+                <a:solidFill>
+                  <a:srgbClr val="84BEE5"/>
+                </a:solidFill>
+              </a:rPr>
+              <a:t>69</a:t>
+            </a:r>
+            <a:endParaRPr lang="ko-KR" altLang="en-US" sz="10000" b="1" dirty="0">
+              <a:solidFill>
+                <a:srgbClr val="84BEE5"/>
+              </a:solidFill>
+            </a:endParaRPr>
+          </a:p>
+        </p:txBody>
+      </p:sp>
+      <p:sp>
+        <p:nvSpPr>
+          <p:cNvPr id="39" name="TextBox 38">
+            <a:extLst>
+              <a:ext uri="{FF2B5EF4-FFF2-40B4-BE49-F238E27FC236}">
+                <a16:creationId xmlns:a16="http://schemas.microsoft.com/office/drawing/2014/main" id="{63B483C5-CD55-EEC1-D974-93208AE407C0}"/>
+              </a:ext>
+            </a:extLst>
+          </p:cNvPr>
+          <p:cNvSpPr txBox="1"/>
+          <p:nvPr/>
+        </p:nvSpPr>
+        <p:spPr>
+          <a:xfrm rot="16200000">
+            <a:off x="193886" y="163208"/>
+            <a:ext cx="1483098" cy="1631216"/>
+          </a:xfrm>
+          <a:prstGeom prst="rect">
+            <a:avLst/>
+          </a:prstGeom>
+          <a:noFill/>
+        </p:spPr>
+        <p:txBody>
+          <a:bodyPr wrap="none" rtlCol="0">
+            <a:spAutoFit/>
+          </a:bodyPr>
+          <a:lstStyle/>
+          <a:p>
+            <a:pPr algn="l"/>
+            <a:r>
+              <a:rPr lang="en-US" altLang="ko-KR" sz="10000" b="1" dirty="0">
+                <a:solidFill>
+                  <a:srgbClr val="84BEE5"/>
+                </a:solidFill>
+              </a:rPr>
+              <a:t>69</a:t>
+            </a:r>
+            <a:endParaRPr lang="ko-KR" altLang="en-US" sz="10000" b="1" dirty="0">
+              <a:solidFill>
+                <a:srgbClr val="84BEE5"/>
+              </a:solidFill>
+            </a:endParaRPr>
+          </a:p>
+        </p:txBody>
+      </p:sp>
+      <p:sp>
+        <p:nvSpPr>
+          <p:cNvPr id="10" name="TextBox 9">
+            <a:extLst>
+              <a:ext uri="{FF2B5EF4-FFF2-40B4-BE49-F238E27FC236}">
+                <a16:creationId xmlns:a16="http://schemas.microsoft.com/office/drawing/2014/main" id="{6AFE3FFD-0F77-09A8-F760-CA00419F8040}"/>
+              </a:ext>
+            </a:extLst>
+          </p:cNvPr>
+          <p:cNvSpPr txBox="1"/>
+          <p:nvPr/>
+        </p:nvSpPr>
+        <p:spPr>
+          <a:xfrm rot="16200000">
+            <a:off x="-8183783" y="17215039"/>
+            <a:ext cx="18445226" cy="1569660"/>
+          </a:xfrm>
+          <a:prstGeom prst="rect">
+            <a:avLst/>
+          </a:prstGeom>
+          <a:noFill/>
+        </p:spPr>
+        <p:txBody>
+          <a:bodyPr wrap="square">
+            <a:spAutoFit/>
+          </a:bodyPr>
+          <a:lstStyle/>
+          <a:p>
+            <a:pPr algn="ctr"/>
+            <a:r>
+              <a:rPr lang="en-US" altLang="ko-KR" sz="9600" b="1" dirty="0" err="1">
+                <a:solidFill>
+                  <a:schemeClr val="bg1"/>
+                </a:solidFill>
+              </a:rPr>
+              <a:t>Sekai</a:t>
+            </a:r>
+            <a:r>
+              <a:rPr lang="ko-KR" altLang="en-US" sz="9600" b="1" dirty="0">
+                <a:solidFill>
+                  <a:schemeClr val="bg1"/>
+                </a:solidFill>
+              </a:rPr>
+              <a:t> </a:t>
+            </a:r>
+            <a:r>
+              <a:rPr lang="en-US" altLang="ko-KR" sz="9600" b="1" dirty="0">
+                <a:solidFill>
+                  <a:schemeClr val="bg1"/>
+                </a:solidFill>
+              </a:rPr>
+              <a:t>– Don’t Fight The Music</a:t>
+            </a:r>
+          </a:p>
+        </p:txBody>
+      </p:sp>
+      <p:sp>
+        <p:nvSpPr>
+          <p:cNvPr id="11" name="TextBox 10">
+            <a:extLst>
+              <a:ext uri="{FF2B5EF4-FFF2-40B4-BE49-F238E27FC236}">
+                <a16:creationId xmlns:a16="http://schemas.microsoft.com/office/drawing/2014/main" id="{377F77D2-338B-FFE5-6E9C-6CF0CD1ED9AC}"/>
+              </a:ext>
+            </a:extLst>
+          </p:cNvPr>
+          <p:cNvSpPr txBox="1"/>
+          <p:nvPr/>
+        </p:nvSpPr>
+        <p:spPr>
+          <a:xfrm rot="5400000">
+            <a:off x="25691086" y="17215039"/>
+            <a:ext cx="18445226" cy="1569660"/>
+          </a:xfrm>
+          <a:prstGeom prst="rect">
+            <a:avLst/>
+          </a:prstGeom>
+          <a:noFill/>
+        </p:spPr>
+        <p:txBody>
+          <a:bodyPr wrap="square">
+            <a:spAutoFit/>
+          </a:bodyPr>
+          <a:lstStyle/>
+          <a:p>
+            <a:pPr algn="ctr"/>
+            <a:r>
+              <a:rPr lang="en-US" altLang="ko-KR" sz="9600" b="1" dirty="0" err="1">
+                <a:solidFill>
+                  <a:schemeClr val="bg1"/>
+                </a:solidFill>
+              </a:rPr>
+              <a:t>Sekai</a:t>
+            </a:r>
+            <a:r>
+              <a:rPr lang="ko-KR" altLang="en-US" sz="9600" b="1" dirty="0">
+                <a:solidFill>
+                  <a:schemeClr val="bg1"/>
+                </a:solidFill>
+              </a:rPr>
+              <a:t> </a:t>
+            </a:r>
+            <a:r>
+              <a:rPr lang="en-US" altLang="ko-KR" sz="9600" b="1" dirty="0">
+                <a:solidFill>
+                  <a:schemeClr val="bg1"/>
+                </a:solidFill>
+              </a:rPr>
+              <a:t>– Don’t Fight The Music</a:t>
+            </a:r>
+          </a:p>
+        </p:txBody>
+      </p:sp>
+    </p:spTree>
+    <p:extLst>
+      <p:ext uri="{BB962C8B-B14F-4D97-AF65-F5344CB8AC3E}">
+        <p14:creationId xmlns:p14="http://schemas.microsoft.com/office/powerpoint/2010/main" val="2773757964"/>
+      </p:ext>
+    </p:extLst>
+  </p:cSld>
+  <p:clrMapOvr>
+    <a:masterClrMapping/>
+  </p:clrMapOvr>
+  <p:timing>
+    <p:tnLst>
+      <p:par>
+        <p:cTn id="1" dur="indefinite" restart="never" nodeType="tmRoot">
+          <p:childTnLst>
+            <p:seq concurrent="1" nextAc="seek">
+              <p:cTn id="2" dur="indefinite" nodeType="mainSeq">
+                <p:childTnLst>
+                  <p:par>
+                    <p:cTn id="3" fill="hold">
+                      <p:stCondLst>
+                        <p:cond delay="indefinite"/>
+                        <p:cond evt="onBegin" delay="0">
+                          <p:tn val="2"/>
+                        </p:cond>
+                      </p:stCondLst>
+                      <p:childTnLst>
+                        <p:par>
+                          <p:cTn id="4" fill="hold">
+                            <p:stCondLst>
+                              <p:cond delay="0"/>
+                            </p:stCondLst>
+                            <p:childTnLst>
+                              <p:par>
+                                <p:cTn id="5" presetID="2" presetClass="exit" presetSubtype="4" fill="hold" grpId="0" nodeType="withEffect">
+                                  <p:stCondLst>
+                                    <p:cond delay="0"/>
+                                  </p:stCondLst>
+                                  <p:childTnLst>
+                                    <p:anim calcmode="lin" valueType="num">
+                                      <p:cBhvr additive="base">
+                                        <p:cTn id="6" dur="1000"/>
+                                        <p:tgtEl>
+                                          <p:spTgt spid="12"/>
+                                        </p:tgtEl>
+                                        <p:attrNameLst>
+                                          <p:attrName>ppt_x</p:attrName>
+                                        </p:attrNameLst>
+                                      </p:cBhvr>
+                                      <p:tavLst>
+                                        <p:tav tm="0">
+                                          <p:val>
+                                            <p:strVal val="ppt_x"/>
+                                          </p:val>
+                                        </p:tav>
+                                        <p:tav tm="100000">
+                                          <p:val>
+                                            <p:strVal val="ppt_x"/>
+                                          </p:val>
+                                        </p:tav>
+                                      </p:tavLst>
+                                    </p:anim>
+                                    <p:anim calcmode="lin" valueType="num">
+                                      <p:cBhvr additive="base">
+                                        <p:cTn id="7" dur="1000"/>
+                                        <p:tgtEl>
+                                          <p:spTgt spid="12"/>
+                                        </p:tgtEl>
+                                        <p:attrNameLst>
+                                          <p:attrName>ppt_y</p:attrName>
+                                        </p:attrNameLst>
+                                      </p:cBhvr>
+                                      <p:tavLst>
+                                        <p:tav tm="0">
+                                          <p:val>
+                                            <p:strVal val="ppt_y"/>
+                                          </p:val>
+                                        </p:tav>
+                                        <p:tav tm="100000">
+                                          <p:val>
+                                            <p:strVal val="1+ppt_h/2"/>
+                                          </p:val>
+                                        </p:tav>
+                                      </p:tavLst>
+                                    </p:anim>
+                                    <p:set>
+                                      <p:cBhvr>
+                                        <p:cTn id="8" dur="1" fill="hold">
+                                          <p:stCondLst>
+                                            <p:cond delay="999"/>
+                                          </p:stCondLst>
+                                        </p:cTn>
+                                        <p:tgtEl>
+                                          <p:spTgt spid="12"/>
+                                        </p:tgtEl>
+                                        <p:attrNameLst>
+                                          <p:attrName>style.visibility</p:attrName>
+                                        </p:attrNameLst>
+                                      </p:cBhvr>
+                                      <p:to>
+                                        <p:strVal val="hidden"/>
+                                      </p:to>
+                                    </p:set>
+                                  </p:childTnLst>
+                                </p:cTn>
+                              </p:par>
+                              <p:par>
+                                <p:cTn id="9" presetID="42" presetClass="path" presetSubtype="0" fill="hold" grpId="0" nodeType="withEffect">
+                                  <p:stCondLst>
+                                    <p:cond delay="0"/>
+                                  </p:stCondLst>
+                                  <p:childTnLst>
+                                    <p:animMotion origin="layout" path="M -1.49314E-6 -3.08639E-6 L 0.00018 0.52022 " pathEditMode="relative" rAng="0" ptsTypes="AA">
+                                      <p:cBhvr>
+                                        <p:cTn id="10" dur="500" fill="hold"/>
+                                        <p:tgtEl>
+                                          <p:spTgt spid="29"/>
+                                        </p:tgtEl>
+                                        <p:attrNameLst>
+                                          <p:attrName>ppt_x</p:attrName>
+                                          <p:attrName>ppt_y</p:attrName>
+                                        </p:attrNameLst>
+                                      </p:cBhvr>
+                                      <p:rCtr x="9" y="26009"/>
+                                    </p:animMotion>
+                                  </p:childTnLst>
+                                </p:cTn>
+                              </p:par>
+                              <p:par>
+                                <p:cTn id="11" presetID="2" presetClass="exit" presetSubtype="1" fill="hold" grpId="0" nodeType="withEffect">
+                                  <p:stCondLst>
+                                    <p:cond delay="0"/>
+                                  </p:stCondLst>
+                                  <p:childTnLst>
+                                    <p:anim calcmode="lin" valueType="num">
+                                      <p:cBhvr additive="base">
+                                        <p:cTn id="12" dur="1000"/>
+                                        <p:tgtEl>
+                                          <p:spTgt spid="31"/>
+                                        </p:tgtEl>
+                                        <p:attrNameLst>
+                                          <p:attrName>ppt_x</p:attrName>
+                                        </p:attrNameLst>
+                                      </p:cBhvr>
+                                      <p:tavLst>
+                                        <p:tav tm="0">
+                                          <p:val>
+                                            <p:strVal val="ppt_x"/>
+                                          </p:val>
+                                        </p:tav>
+                                        <p:tav tm="100000">
+                                          <p:val>
+                                            <p:strVal val="ppt_x"/>
+                                          </p:val>
+                                        </p:tav>
+                                      </p:tavLst>
+                                    </p:anim>
+                                    <p:anim calcmode="lin" valueType="num">
+                                      <p:cBhvr additive="base">
+                                        <p:cTn id="13" dur="1000"/>
+                                        <p:tgtEl>
+                                          <p:spTgt spid="31"/>
+                                        </p:tgtEl>
+                                        <p:attrNameLst>
+                                          <p:attrName>ppt_y</p:attrName>
+                                        </p:attrNameLst>
+                                      </p:cBhvr>
+                                      <p:tavLst>
+                                        <p:tav tm="0">
+                                          <p:val>
+                                            <p:strVal val="ppt_y"/>
+                                          </p:val>
+                                        </p:tav>
+                                        <p:tav tm="100000">
+                                          <p:val>
+                                            <p:strVal val="0-ppt_h/2"/>
+                                          </p:val>
+                                        </p:tav>
+                                      </p:tavLst>
+                                    </p:anim>
+                                    <p:set>
+                                      <p:cBhvr>
+                                        <p:cTn id="14" dur="1" fill="hold">
+                                          <p:stCondLst>
+                                            <p:cond delay="999"/>
+                                          </p:stCondLst>
+                                        </p:cTn>
+                                        <p:tgtEl>
+                                          <p:spTgt spid="31"/>
+                                        </p:tgtEl>
+                                        <p:attrNameLst>
+                                          <p:attrName>style.visibility</p:attrName>
+                                        </p:attrNameLst>
+                                      </p:cBhvr>
+                                      <p:to>
+                                        <p:strVal val="hidden"/>
+                                      </p:to>
+                                    </p:set>
+                                  </p:childTnLst>
+                                </p:cTn>
+                              </p:par>
+                              <p:par>
+                                <p:cTn id="15" presetID="64" presetClass="path" presetSubtype="0" fill="hold" grpId="0" nodeType="withEffect">
+                                  <p:stCondLst>
+                                    <p:cond delay="0"/>
+                                  </p:stCondLst>
+                                  <p:childTnLst>
+                                    <p:animMotion origin="layout" path="M 7.59801E-7 3.08639E-6 L 0.00234 -0.53385 " pathEditMode="relative" rAng="0" ptsTypes="AA">
+                                      <p:cBhvr>
+                                        <p:cTn id="16" dur="500" fill="hold"/>
+                                        <p:tgtEl>
+                                          <p:spTgt spid="32"/>
+                                        </p:tgtEl>
+                                        <p:attrNameLst>
+                                          <p:attrName>ppt_x</p:attrName>
+                                          <p:attrName>ppt_y</p:attrName>
+                                        </p:attrNameLst>
+                                      </p:cBhvr>
+                                      <p:rCtr x="115" y="-26692"/>
+                                    </p:animMotion>
+                                  </p:childTnLst>
+                                </p:cTn>
+                              </p:par>
+                              <p:par>
+                                <p:cTn id="17" presetID="2" presetClass="exit" presetSubtype="4" fill="hold" grpId="0" nodeType="withEffect">
+                                  <p:stCondLst>
+                                    <p:cond delay="0"/>
+                                  </p:stCondLst>
+                                  <p:childTnLst>
+                                    <p:anim calcmode="lin" valueType="num">
+                                      <p:cBhvr additive="base">
+                                        <p:cTn id="18" dur="1000"/>
+                                        <p:tgtEl>
+                                          <p:spTgt spid="34"/>
+                                        </p:tgtEl>
+                                        <p:attrNameLst>
+                                          <p:attrName>ppt_x</p:attrName>
+                                        </p:attrNameLst>
+                                      </p:cBhvr>
+                                      <p:tavLst>
+                                        <p:tav tm="0">
+                                          <p:val>
+                                            <p:strVal val="ppt_x"/>
+                                          </p:val>
+                                        </p:tav>
+                                        <p:tav tm="100000">
+                                          <p:val>
+                                            <p:strVal val="ppt_x"/>
+                                          </p:val>
+                                        </p:tav>
+                                      </p:tavLst>
+                                    </p:anim>
+                                    <p:anim calcmode="lin" valueType="num">
+                                      <p:cBhvr additive="base">
+                                        <p:cTn id="19" dur="1000"/>
+                                        <p:tgtEl>
+                                          <p:spTgt spid="34"/>
+                                        </p:tgtEl>
+                                        <p:attrNameLst>
+                                          <p:attrName>ppt_y</p:attrName>
+                                        </p:attrNameLst>
+                                      </p:cBhvr>
+                                      <p:tavLst>
+                                        <p:tav tm="0">
+                                          <p:val>
+                                            <p:strVal val="ppt_y"/>
+                                          </p:val>
+                                        </p:tav>
+                                        <p:tav tm="100000">
+                                          <p:val>
+                                            <p:strVal val="1+ppt_h/2"/>
+                                          </p:val>
+                                        </p:tav>
+                                      </p:tavLst>
+                                    </p:anim>
+                                    <p:set>
+                                      <p:cBhvr>
+                                        <p:cTn id="20" dur="1" fill="hold">
+                                          <p:stCondLst>
+                                            <p:cond delay="999"/>
+                                          </p:stCondLst>
+                                        </p:cTn>
+                                        <p:tgtEl>
+                                          <p:spTgt spid="34"/>
+                                        </p:tgtEl>
+                                        <p:attrNameLst>
+                                          <p:attrName>style.visibility</p:attrName>
+                                        </p:attrNameLst>
+                                      </p:cBhvr>
+                                      <p:to>
+                                        <p:strVal val="hidden"/>
+                                      </p:to>
+                                    </p:set>
+                                  </p:childTnLst>
+                                </p:cTn>
+                              </p:par>
+                              <p:par>
+                                <p:cTn id="21" presetID="64" presetClass="path" presetSubtype="0" fill="hold" grpId="1" nodeType="withEffect">
+                                  <p:stCondLst>
+                                    <p:cond delay="500"/>
+                                  </p:stCondLst>
+                                  <p:childTnLst>
+                                    <p:animMotion origin="layout" path="M 0.30379 -0.53385 L 0.30277 -1.06637 " pathEditMode="relative" rAng="0" ptsTypes="AA">
+                                      <p:cBhvr>
+                                        <p:cTn id="22" dur="500" fill="hold"/>
+                                        <p:tgtEl>
+                                          <p:spTgt spid="32"/>
+                                        </p:tgtEl>
+                                        <p:attrNameLst>
+                                          <p:attrName>ppt_x</p:attrName>
+                                          <p:attrName>ppt_y</p:attrName>
+                                        </p:attrNameLst>
+                                      </p:cBhvr>
+                                      <p:rCtr x="-53" y="-26626"/>
+                                    </p:animMotion>
+                                  </p:childTnLst>
+                                </p:cTn>
+                              </p:par>
+                              <p:par>
+                                <p:cTn id="23" presetID="42" presetClass="path" presetSubtype="0" fill="hold" grpId="1" nodeType="withEffect">
+                                  <p:stCondLst>
+                                    <p:cond delay="500"/>
+                                  </p:stCondLst>
+                                  <p:childTnLst>
+                                    <p:animMotion origin="layout" path="M 0.00018 0.52022 L 2.45844E-6 -4.20779E-6 " pathEditMode="relative" rAng="0" ptsTypes="AA">
+                                      <p:cBhvr>
+                                        <p:cTn id="24" dur="500" fill="hold"/>
+                                        <p:tgtEl>
+                                          <p:spTgt spid="29"/>
+                                        </p:tgtEl>
+                                        <p:attrNameLst>
+                                          <p:attrName>ppt_x</p:attrName>
+                                          <p:attrName>ppt_y</p:attrName>
+                                        </p:attrNameLst>
+                                      </p:cBhvr>
+                                      <p:rCtr x="35" y="-25943"/>
+                                    </p:animMotion>
+                                  </p:childTnLst>
+                                </p:cTn>
+                              </p:par>
+                            </p:childTnLst>
+                          </p:cTn>
+                        </p:par>
+                      </p:childTnLst>
+                    </p:cTn>
+                  </p:par>
+                </p:childTnLst>
+              </p:cTn>
+              <p:prevCondLst>
+                <p:cond evt="onPrev" delay="0">
+                  <p:tgtEl>
+                    <p:sldTgt/>
+                  </p:tgtEl>
+                </p:cond>
+              </p:prevCondLst>
+              <p:nextCondLst>
+                <p:cond evt="onNext" delay="0">
+                  <p:tgtEl>
+                    <p:sldTgt/>
+                  </p:tgtEl>
+                </p:cond>
+              </p:nextCondLst>
+            </p:seq>
+          </p:childTnLst>
+        </p:cTn>
+      </p:par>
+    </p:tnLst>
+    <p:bldLst>
+      <p:bldP spid="12" grpId="0" animBg="1"/>
+      <p:bldP spid="29" grpId="0" animBg="1"/>
+      <p:bldP spid="29" grpId="1" animBg="1"/>
+      <p:bldP spid="31" grpId="0" animBg="1"/>
+      <p:bldP spid="32" grpId="0" animBg="1"/>
+      <p:bldP spid="32" grpId="1" animBg="1"/>
+      <p:bldP spid="34" grpId="0" animBg="1"/>
     </p:bldLst>
   </p:timing>
 </p:sld>

--- a/초기 계획/game design.pptx
+++ b/초기 계획/game design.pptx
@@ -1026,10 +1026,10 @@
       </p:grpSpPr>
       <p:sp>
         <p:nvSpPr>
-          <p:cNvPr id="7" name="직사각형 6">
+          <p:cNvPr id="2" name="직사각형 1">
             <a:extLst>
               <a:ext uri="{FF2B5EF4-FFF2-40B4-BE49-F238E27FC236}">
-                <a16:creationId xmlns:a16="http://schemas.microsoft.com/office/drawing/2014/main" id="{9240A0CD-5651-DB81-00B7-7235AD2D0E6B}"/>
+                <a16:creationId xmlns:a16="http://schemas.microsoft.com/office/drawing/2014/main" id="{1C3E696B-62BB-A1A3-A599-D5D37D01620F}"/>
               </a:ext>
             </a:extLst>
           </p:cNvPr>
@@ -1045,7 +1045,7 @@
             <a:avLst/>
           </a:prstGeom>
           <a:solidFill>
-            <a:schemeClr val="tx1"/>
+            <a:srgbClr val="121212"/>
           </a:solidFill>
         </p:spPr>
         <p:style>
@@ -1474,7 +1474,7 @@
             <a:avLst/>
           </a:prstGeom>
           <a:solidFill>
-            <a:schemeClr val="tx1"/>
+            <a:srgbClr val="121212"/>
           </a:solidFill>
         </p:spPr>
         <p:style>
@@ -3731,7 +3731,7 @@
                   <a:schemeClr val="bg1"/>
                 </a:solidFill>
               </a:rPr>
-              <a:t>#000000</a:t>
+              <a:t>#121212</a:t>
             </a:r>
           </a:p>
           <a:p>
@@ -3772,6 +3772,16 @@
                 </a:solidFill>
               </a:rPr>
               <a:t>#05DA73</a:t>
+            </a:r>
+          </a:p>
+          <a:p>
+            <a:r>
+              <a:rPr lang="en-US" altLang="ko-KR">
+                <a:solidFill>
+                  <a:schemeClr val="bg1"/>
+                </a:solidFill>
+              </a:rPr>
+              <a:t>#787882</a:t>
             </a:r>
             <a:endParaRPr lang="ko-KR" altLang="en-US" dirty="0">
               <a:solidFill>
@@ -5948,7 +5958,7 @@
               <a:avLst/>
             </a:prstGeom>
             <a:solidFill>
-              <a:srgbClr val="444444"/>
+              <a:srgbClr val="787882"/>
             </a:solidFill>
             <a:ln w="381000">
               <a:solidFill>
@@ -6002,7 +6012,7 @@
               <a:avLst/>
             </a:prstGeom>
             <a:solidFill>
-              <a:srgbClr val="444444"/>
+              <a:srgbClr val="787882"/>
             </a:solidFill>
             <a:ln w="381000">
               <a:solidFill>
@@ -6056,7 +6066,7 @@
               <a:avLst/>
             </a:prstGeom>
             <a:solidFill>
-              <a:srgbClr val="444444"/>
+              <a:srgbClr val="787882"/>
             </a:solidFill>
             <a:ln w="381000">
               <a:solidFill>
@@ -6110,7 +6120,7 @@
               <a:avLst/>
             </a:prstGeom>
             <a:solidFill>
-              <a:srgbClr val="444444"/>
+              <a:srgbClr val="787882"/>
             </a:solidFill>
             <a:ln w="381000">
               <a:solidFill>
@@ -6164,7 +6174,7 @@
               <a:avLst/>
             </a:prstGeom>
             <a:solidFill>
-              <a:srgbClr val="444444"/>
+              <a:srgbClr val="787882"/>
             </a:solidFill>
             <a:ln w="381000">
               <a:solidFill>
@@ -6218,7 +6228,7 @@
               <a:avLst/>
             </a:prstGeom>
             <a:solidFill>
-              <a:srgbClr val="444444"/>
+              <a:srgbClr val="787882"/>
             </a:solidFill>
             <a:ln w="381000">
               <a:solidFill>
@@ -7424,7 +7434,7 @@
               <a:avLst/>
             </a:prstGeom>
             <a:solidFill>
-              <a:srgbClr val="444444"/>
+              <a:srgbClr val="787882"/>
             </a:solidFill>
             <a:ln w="381000">
               <a:solidFill>
@@ -7478,7 +7488,7 @@
               <a:avLst/>
             </a:prstGeom>
             <a:solidFill>
-              <a:srgbClr val="444444"/>
+              <a:srgbClr val="787882"/>
             </a:solidFill>
             <a:ln w="381000">
               <a:solidFill>
@@ -7532,7 +7542,7 @@
               <a:avLst/>
             </a:prstGeom>
             <a:solidFill>
-              <a:srgbClr val="444444"/>
+              <a:srgbClr val="787882"/>
             </a:solidFill>
             <a:ln w="381000">
               <a:solidFill>
@@ -7586,7 +7596,7 @@
               <a:avLst/>
             </a:prstGeom>
             <a:solidFill>
-              <a:srgbClr val="444444"/>
+              <a:srgbClr val="787882"/>
             </a:solidFill>
             <a:ln w="381000">
               <a:solidFill>
@@ -7640,7 +7650,7 @@
               <a:avLst/>
             </a:prstGeom>
             <a:solidFill>
-              <a:srgbClr val="444444"/>
+              <a:srgbClr val="787882"/>
             </a:solidFill>
             <a:ln w="381000">
               <a:solidFill>
@@ -7694,7 +7704,7 @@
               <a:avLst/>
             </a:prstGeom>
             <a:solidFill>
-              <a:srgbClr val="444444"/>
+              <a:srgbClr val="787882"/>
             </a:solidFill>
             <a:ln w="381000">
               <a:solidFill>

--- a/초기 계획/game design.pptx
+++ b/초기 계획/game design.pptx
@@ -5,16 +5,15 @@
     <p:sldMasterId id="2147483660" r:id="rId1"/>
   </p:sldMasterIdLst>
   <p:notesMasterIdLst>
-    <p:notesMasterId r:id="rId9"/>
+    <p:notesMasterId r:id="rId8"/>
   </p:notesMasterIdLst>
   <p:sldIdLst>
-    <p:sldId id="257" r:id="rId2"/>
-    <p:sldId id="256" r:id="rId3"/>
-    <p:sldId id="258" r:id="rId4"/>
-    <p:sldId id="262" r:id="rId5"/>
-    <p:sldId id="263" r:id="rId6"/>
-    <p:sldId id="259" r:id="rId7"/>
-    <p:sldId id="264" r:id="rId8"/>
+    <p:sldId id="256" r:id="rId2"/>
+    <p:sldId id="258" r:id="rId3"/>
+    <p:sldId id="262" r:id="rId4"/>
+    <p:sldId id="263" r:id="rId5"/>
+    <p:sldId id="259" r:id="rId6"/>
+    <p:sldId id="264" r:id="rId7"/>
   </p:sldIdLst>
   <p:sldSz cx="35999738" cy="35999738"/>
   <p:notesSz cx="6858000" cy="9144000"/>
@@ -652,7 +651,7 @@
           <a:p>
             <a:fld id="{A75EB0DC-213E-4DD6-A25C-037BC2CBEFBA}" type="slidenum">
               <a:rPr lang="ko-KR" altLang="en-US" smtClean="0"/>
-              <a:t>3</a:t>
+              <a:t>2</a:t>
             </a:fld>
             <a:endParaRPr lang="ko-KR" altLang="en-US"/>
           </a:p>
@@ -736,7 +735,7 @@
           <a:p>
             <a:fld id="{A75EB0DC-213E-4DD6-A25C-037BC2CBEFBA}" type="slidenum">
               <a:rPr lang="ko-KR" altLang="en-US" smtClean="0"/>
-              <a:t>4</a:t>
+              <a:t>3</a:t>
             </a:fld>
             <a:endParaRPr lang="ko-KR" altLang="en-US"/>
           </a:p>
@@ -820,7 +819,7 @@
           <a:p>
             <a:fld id="{A75EB0DC-213E-4DD6-A25C-037BC2CBEFBA}" type="slidenum">
               <a:rPr lang="ko-KR" altLang="en-US" smtClean="0"/>
-              <a:t>5</a:t>
+              <a:t>4</a:t>
             </a:fld>
             <a:endParaRPr lang="ko-KR" altLang="en-US"/>
           </a:p>
@@ -904,7 +903,7 @@
           <a:p>
             <a:fld id="{A75EB0DC-213E-4DD6-A25C-037BC2CBEFBA}" type="slidenum">
               <a:rPr lang="ko-KR" altLang="en-US" smtClean="0"/>
-              <a:t>6</a:t>
+              <a:t>5</a:t>
             </a:fld>
             <a:endParaRPr lang="ko-KR" altLang="en-US"/>
           </a:p>
@@ -988,7 +987,7 @@
           <a:p>
             <a:fld id="{A75EB0DC-213E-4DD6-A25C-037BC2CBEFBA}" type="slidenum">
               <a:rPr lang="ko-KR" altLang="en-US" smtClean="0"/>
-              <a:t>7</a:t>
+              <a:t>6</a:t>
             </a:fld>
             <a:endParaRPr lang="ko-KR" altLang="en-US"/>
           </a:p>
@@ -3664,165 +3663,6 @@
       </p:grpSpPr>
       <p:sp>
         <p:nvSpPr>
-          <p:cNvPr id="2" name="제목 1">
-            <a:extLst>
-              <a:ext uri="{FF2B5EF4-FFF2-40B4-BE49-F238E27FC236}">
-                <a16:creationId xmlns:a16="http://schemas.microsoft.com/office/drawing/2014/main" id="{08ADE355-C137-B12E-C7D6-40765302C01F}"/>
-              </a:ext>
-            </a:extLst>
-          </p:cNvPr>
-          <p:cNvSpPr>
-            <a:spLocks noGrp="1"/>
-          </p:cNvSpPr>
-          <p:nvPr>
-            <p:ph type="title" idx="4294967295"/>
-          </p:nvPr>
-        </p:nvSpPr>
-        <p:spPr>
-          <a:xfrm>
-            <a:off x="2474982" y="1510261"/>
-            <a:ext cx="31049774" cy="6958285"/>
-          </a:xfrm>
-        </p:spPr>
-        <p:txBody>
-          <a:bodyPr/>
-          <a:lstStyle/>
-          <a:p>
-            <a:r>
-              <a:rPr lang="ko-KR" altLang="en-US" dirty="0">
-                <a:solidFill>
-                  <a:schemeClr val="bg1"/>
-                </a:solidFill>
-              </a:rPr>
-              <a:t>사용 색</a:t>
-            </a:r>
-          </a:p>
-        </p:txBody>
-      </p:sp>
-      <p:sp>
-        <p:nvSpPr>
-          <p:cNvPr id="3" name="내용 개체 틀 2">
-            <a:extLst>
-              <a:ext uri="{FF2B5EF4-FFF2-40B4-BE49-F238E27FC236}">
-                <a16:creationId xmlns:a16="http://schemas.microsoft.com/office/drawing/2014/main" id="{2401196F-F209-49F9-6A69-F7F9516CEF7B}"/>
-              </a:ext>
-            </a:extLst>
-          </p:cNvPr>
-          <p:cNvSpPr>
-            <a:spLocks noGrp="1"/>
-          </p:cNvSpPr>
-          <p:nvPr>
-            <p:ph idx="4294967295"/>
-          </p:nvPr>
-        </p:nvSpPr>
-        <p:spPr>
-          <a:xfrm>
-            <a:off x="2474982" y="9583264"/>
-            <a:ext cx="31049774" cy="22841503"/>
-          </a:xfrm>
-        </p:spPr>
-        <p:txBody>
-          <a:bodyPr/>
-          <a:lstStyle/>
-          <a:p>
-            <a:r>
-              <a:rPr lang="en-US" altLang="ko-KR" dirty="0">
-                <a:solidFill>
-                  <a:schemeClr val="bg1"/>
-                </a:solidFill>
-              </a:rPr>
-              <a:t>#121212</a:t>
-            </a:r>
-          </a:p>
-          <a:p>
-            <a:r>
-              <a:rPr lang="en-US" altLang="ko-KR" dirty="0">
-                <a:solidFill>
-                  <a:schemeClr val="bg1"/>
-                </a:solidFill>
-              </a:rPr>
-              <a:t>#FFFFFF</a:t>
-            </a:r>
-          </a:p>
-          <a:p>
-            <a:r>
-              <a:rPr lang="en-US" altLang="ko-KR" dirty="0">
-                <a:solidFill>
-                  <a:schemeClr val="bg1"/>
-                </a:solidFill>
-              </a:rPr>
-              <a:t>#888888</a:t>
-            </a:r>
-          </a:p>
-          <a:p>
-            <a:r>
-              <a:rPr lang="en-US" altLang="ko-KR" dirty="0">
-                <a:solidFill>
-                  <a:schemeClr val="bg1"/>
-                </a:solidFill>
-              </a:rPr>
-              <a:t>#84BEE5</a:t>
-            </a:r>
-          </a:p>
-          <a:p>
-            <a:r>
-              <a:rPr lang="en-US" altLang="ko-KR" dirty="0">
-                <a:solidFill>
-                  <a:schemeClr val="bg1"/>
-                </a:solidFill>
-              </a:rPr>
-              <a:t>#05DA73</a:t>
-            </a:r>
-          </a:p>
-          <a:p>
-            <a:r>
-              <a:rPr lang="en-US" altLang="ko-KR">
-                <a:solidFill>
-                  <a:schemeClr val="bg1"/>
-                </a:solidFill>
-              </a:rPr>
-              <a:t>#787882</a:t>
-            </a:r>
-            <a:endParaRPr lang="ko-KR" altLang="en-US" dirty="0">
-              <a:solidFill>
-                <a:schemeClr val="bg1"/>
-              </a:solidFill>
-            </a:endParaRPr>
-          </a:p>
-        </p:txBody>
-      </p:sp>
-    </p:spTree>
-    <p:extLst>
-      <p:ext uri="{BB962C8B-B14F-4D97-AF65-F5344CB8AC3E}">
-        <p14:creationId xmlns:p14="http://schemas.microsoft.com/office/powerpoint/2010/main" val="3555782452"/>
-      </p:ext>
-    </p:extLst>
-  </p:cSld>
-  <p:clrMapOvr>
-    <a:masterClrMapping/>
-  </p:clrMapOvr>
-</p:sld>
-</file>
-
-<file path=ppt/slides/slide2.xml><?xml version="1.0" encoding="utf-8"?>
-<p:sld xmlns:a="http://schemas.openxmlformats.org/drawingml/2006/main" xmlns:r="http://schemas.openxmlformats.org/officeDocument/2006/relationships" xmlns:p="http://schemas.openxmlformats.org/presentationml/2006/main">
-  <p:cSld>
-    <p:spTree>
-      <p:nvGrpSpPr>
-        <p:cNvPr id="1" name=""/>
-        <p:cNvGrpSpPr/>
-        <p:nvPr/>
-      </p:nvGrpSpPr>
-      <p:grpSpPr>
-        <a:xfrm>
-          <a:off x="0" y="0"/>
-          <a:ext cx="0" cy="0"/>
-          <a:chOff x="0" y="0"/>
-          <a:chExt cx="0" cy="0"/>
-        </a:xfrm>
-      </p:grpSpPr>
-      <p:sp>
-        <p:nvSpPr>
           <p:cNvPr id="4" name="TextBox 3">
             <a:extLst>
               <a:ext uri="{FF2B5EF4-FFF2-40B4-BE49-F238E27FC236}">
@@ -4068,7 +3908,7 @@
 </p:sld>
 </file>
 
-<file path=ppt/slides/slide3.xml><?xml version="1.0" encoding="utf-8"?>
+<file path=ppt/slides/slide2.xml><?xml version="1.0" encoding="utf-8"?>
 <p:sld xmlns:a="http://schemas.openxmlformats.org/drawingml/2006/main" xmlns:r="http://schemas.openxmlformats.org/officeDocument/2006/relationships" xmlns:p="http://schemas.openxmlformats.org/presentationml/2006/main">
   <p:cSld>
     <p:spTree>
@@ -4680,7 +4520,7 @@
 </p:sld>
 </file>
 
-<file path=ppt/slides/slide4.xml><?xml version="1.0" encoding="utf-8"?>
+<file path=ppt/slides/slide3.xml><?xml version="1.0" encoding="utf-8"?>
 <p:sld xmlns:a="http://schemas.openxmlformats.org/drawingml/2006/main" xmlns:r="http://schemas.openxmlformats.org/officeDocument/2006/relationships" xmlns:p="http://schemas.openxmlformats.org/presentationml/2006/main">
   <p:cSld>
     <p:spTree>
@@ -5298,7 +5138,7 @@
 </p:sld>
 </file>
 
-<file path=ppt/slides/slide5.xml><?xml version="1.0" encoding="utf-8"?>
+<file path=ppt/slides/slide4.xml><?xml version="1.0" encoding="utf-8"?>
 <p:sld xmlns:a="http://schemas.openxmlformats.org/drawingml/2006/main" xmlns:r="http://schemas.openxmlformats.org/officeDocument/2006/relationships" xmlns:p="http://schemas.openxmlformats.org/presentationml/2006/main">
   <p:cSld>
     <p:spTree>
@@ -5900,7 +5740,7 @@
 </p:sld>
 </file>
 
-<file path=ppt/slides/slide6.xml><?xml version="1.0" encoding="utf-8"?>
+<file path=ppt/slides/slide5.xml><?xml version="1.0" encoding="utf-8"?>
 <p:sld xmlns:a="http://schemas.openxmlformats.org/drawingml/2006/main" xmlns:r="http://schemas.openxmlformats.org/officeDocument/2006/relationships" xmlns:p="http://schemas.openxmlformats.org/presentationml/2006/main">
   <p:cSld>
     <p:spTree>
@@ -7376,7 +7216,7 @@
 </p:sld>
 </file>
 
-<file path=ppt/slides/slide7.xml><?xml version="1.0" encoding="utf-8"?>
+<file path=ppt/slides/slide6.xml><?xml version="1.0" encoding="utf-8"?>
 <p:sld xmlns:a="http://schemas.openxmlformats.org/drawingml/2006/main" xmlns:r="http://schemas.openxmlformats.org/officeDocument/2006/relationships" xmlns:p="http://schemas.openxmlformats.org/presentationml/2006/main">
   <p:cSld>
     <p:spTree>
